--- a/Presentazione/Sprint 1.pptx
+++ b/Presentazione/Sprint 1.pptx
@@ -110,6 +110,11 @@
       </a:defRPr>
     </a:lvl9pPr>
   </p:defaultTextStyle>
+  <p:extLst>
+    <p:ext uri="{EFAFB233-063F-42B5-8137-9DF3F51BA10A}">
+      <p15:sldGuideLst xmlns:p15="http://schemas.microsoft.com/office/powerpoint/2012/main"/>
+    </p:ext>
+  </p:extLst>
 </p:presentation>
 </file>
 
@@ -719,7 +724,7 @@
           <a:p>
             <a:fld id="{A1D14962-9413-42E1-B018-5CEBEB2093D3}" type="datetimeFigureOut">
               <a:rPr lang="it-IT" smtClean="0"/>
-              <a:t>25/11/2022</a:t>
+              <a:t>07/12/2022</a:t>
             </a:fld>
             <a:endParaRPr lang="it-IT"/>
           </a:p>
@@ -917,7 +922,7 @@
           <a:p>
             <a:fld id="{A1D14962-9413-42E1-B018-5CEBEB2093D3}" type="datetimeFigureOut">
               <a:rPr lang="it-IT" smtClean="0"/>
-              <a:t>25/11/2022</a:t>
+              <a:t>07/12/2022</a:t>
             </a:fld>
             <a:endParaRPr lang="it-IT"/>
           </a:p>
@@ -1125,7 +1130,7 @@
           <a:p>
             <a:fld id="{A1D14962-9413-42E1-B018-5CEBEB2093D3}" type="datetimeFigureOut">
               <a:rPr lang="it-IT" smtClean="0"/>
-              <a:t>25/11/2022</a:t>
+              <a:t>07/12/2022</a:t>
             </a:fld>
             <a:endParaRPr lang="it-IT"/>
           </a:p>
@@ -1323,7 +1328,7 @@
           <a:p>
             <a:fld id="{A1D14962-9413-42E1-B018-5CEBEB2093D3}" type="datetimeFigureOut">
               <a:rPr lang="it-IT" smtClean="0"/>
-              <a:t>25/11/2022</a:t>
+              <a:t>07/12/2022</a:t>
             </a:fld>
             <a:endParaRPr lang="it-IT"/>
           </a:p>
@@ -1598,7 +1603,7 @@
           <a:p>
             <a:fld id="{A1D14962-9413-42E1-B018-5CEBEB2093D3}" type="datetimeFigureOut">
               <a:rPr lang="it-IT" smtClean="0"/>
-              <a:t>25/11/2022</a:t>
+              <a:t>07/12/2022</a:t>
             </a:fld>
             <a:endParaRPr lang="it-IT"/>
           </a:p>
@@ -1863,7 +1868,7 @@
           <a:p>
             <a:fld id="{A1D14962-9413-42E1-B018-5CEBEB2093D3}" type="datetimeFigureOut">
               <a:rPr lang="it-IT" smtClean="0"/>
-              <a:t>25/11/2022</a:t>
+              <a:t>07/12/2022</a:t>
             </a:fld>
             <a:endParaRPr lang="it-IT"/>
           </a:p>
@@ -2275,7 +2280,7 @@
           <a:p>
             <a:fld id="{A1D14962-9413-42E1-B018-5CEBEB2093D3}" type="datetimeFigureOut">
               <a:rPr lang="it-IT" smtClean="0"/>
-              <a:t>25/11/2022</a:t>
+              <a:t>07/12/2022</a:t>
             </a:fld>
             <a:endParaRPr lang="it-IT"/>
           </a:p>
@@ -2416,7 +2421,7 @@
           <a:p>
             <a:fld id="{A1D14962-9413-42E1-B018-5CEBEB2093D3}" type="datetimeFigureOut">
               <a:rPr lang="it-IT" smtClean="0"/>
-              <a:t>25/11/2022</a:t>
+              <a:t>07/12/2022</a:t>
             </a:fld>
             <a:endParaRPr lang="it-IT"/>
           </a:p>
@@ -2529,7 +2534,7 @@
           <a:p>
             <a:fld id="{A1D14962-9413-42E1-B018-5CEBEB2093D3}" type="datetimeFigureOut">
               <a:rPr lang="it-IT" smtClean="0"/>
-              <a:t>25/11/2022</a:t>
+              <a:t>07/12/2022</a:t>
             </a:fld>
             <a:endParaRPr lang="it-IT"/>
           </a:p>
@@ -2840,7 +2845,7 @@
           <a:p>
             <a:fld id="{A1D14962-9413-42E1-B018-5CEBEB2093D3}" type="datetimeFigureOut">
               <a:rPr lang="it-IT" smtClean="0"/>
-              <a:t>25/11/2022</a:t>
+              <a:t>07/12/2022</a:t>
             </a:fld>
             <a:endParaRPr lang="it-IT"/>
           </a:p>
@@ -3128,7 +3133,7 @@
           <a:p>
             <a:fld id="{A1D14962-9413-42E1-B018-5CEBEB2093D3}" type="datetimeFigureOut">
               <a:rPr lang="it-IT" smtClean="0"/>
-              <a:t>25/11/2022</a:t>
+              <a:t>07/12/2022</a:t>
             </a:fld>
             <a:endParaRPr lang="it-IT"/>
           </a:p>
@@ -3369,7 +3374,7 @@
           <a:p>
             <a:fld id="{A1D14962-9413-42E1-B018-5CEBEB2093D3}" type="datetimeFigureOut">
               <a:rPr lang="it-IT" smtClean="0"/>
-              <a:t>25/11/2022</a:t>
+              <a:t>07/12/2022</a:t>
             </a:fld>
             <a:endParaRPr lang="it-IT"/>
           </a:p>
@@ -4080,7 +4085,7 @@
               <a:rPr lang="it-IT" sz="3200" dirty="0">
                 <a:latin typeface="Raleway" panose="020B0503030101060003" pitchFamily="34" charset="0"/>
               </a:rPr>
-              <a:t>Sprint 1</a:t>
+              <a:t>Introduzione</a:t>
             </a:r>
           </a:p>
         </p:txBody>
@@ -4136,7 +4141,7 @@
         </p:nvCxnSpPr>
         <p:spPr>
           <a:xfrm>
-            <a:off x="5191019" y="2082841"/>
+            <a:off x="5138143" y="2447433"/>
             <a:ext cx="473140" cy="0"/>
           </a:xfrm>
           <a:prstGeom prst="straightConnector1">
@@ -4216,7 +4221,7 @@
         </p:nvCxnSpPr>
         <p:spPr>
           <a:xfrm flipH="1">
-            <a:off x="4713704" y="3846777"/>
+            <a:off x="4699664" y="4392856"/>
             <a:ext cx="425320" cy="0"/>
           </a:xfrm>
           <a:prstGeom prst="straightConnector1">
@@ -4257,7 +4262,7 @@
         </p:nvCxnSpPr>
         <p:spPr>
           <a:xfrm flipH="1">
-            <a:off x="4727510" y="2696547"/>
+            <a:off x="4707123" y="2907006"/>
             <a:ext cx="435040" cy="0"/>
           </a:xfrm>
           <a:prstGeom prst="straightConnector1">
@@ -4352,26 +4357,11 @@
           <a:lstStyle/>
           <a:p>
             <a:r>
-              <a:rPr lang="it-IT" sz="2800" dirty="0" err="1">
-                <a:latin typeface="Raleway" panose="020B0503030101060003" pitchFamily="34" charset="0"/>
-              </a:rPr>
-              <a:t>Search</a:t>
-            </a:r>
-            <a:r>
               <a:rPr lang="it-IT" sz="2800" dirty="0">
                 <a:latin typeface="Raleway" panose="020B0503030101060003" pitchFamily="34" charset="0"/>
               </a:rPr>
-              <a:t> </a:t>
-            </a:r>
-            <a:r>
-              <a:rPr lang="it-IT" sz="2800" dirty="0" err="1">
-                <a:latin typeface="Raleway" panose="020B0503030101060003" pitchFamily="34" charset="0"/>
-              </a:rPr>
-              <a:t>sites</a:t>
-            </a:r>
-            <a:endParaRPr lang="it-IT" sz="2800" dirty="0">
-              <a:latin typeface="Raleway" panose="020B0503030101060003" pitchFamily="34" charset="0"/>
-            </a:endParaRPr>
+              <a:t>Ricerca siti</a:t>
+            </a:r>
           </a:p>
         </p:txBody>
       </p:sp>
@@ -4389,7 +4379,7 @@
         </p:nvSpPr>
         <p:spPr>
           <a:xfrm>
-            <a:off x="5735697" y="1803918"/>
+            <a:off x="5682821" y="2168510"/>
             <a:ext cx="2339065" cy="523220"/>
           </a:xfrm>
           <a:prstGeom prst="rect">
@@ -4407,17 +4397,8 @@
               <a:rPr lang="it-IT" sz="2800" dirty="0">
                 <a:latin typeface="Raleway" panose="020B0503030101060003" pitchFamily="34" charset="0"/>
               </a:rPr>
-              <a:t>Filter </a:t>
-            </a:r>
-            <a:r>
-              <a:rPr lang="it-IT" sz="2800" dirty="0" err="1">
-                <a:latin typeface="Raleway" panose="020B0503030101060003" pitchFamily="34" charset="0"/>
-              </a:rPr>
-              <a:t>sites</a:t>
-            </a:r>
-            <a:endParaRPr lang="it-IT" sz="2800" dirty="0">
-              <a:latin typeface="Raleway" panose="020B0503030101060003" pitchFamily="34" charset="0"/>
-            </a:endParaRPr>
+              <a:t>Filtra siti</a:t>
+            </a:r>
           </a:p>
         </p:txBody>
       </p:sp>
@@ -4435,8 +4416,8 @@
         </p:nvSpPr>
         <p:spPr>
           <a:xfrm>
-            <a:off x="2180055" y="2341010"/>
-            <a:ext cx="3010964" cy="523220"/>
+            <a:off x="2329328" y="2588975"/>
+            <a:ext cx="2339065" cy="523220"/>
           </a:xfrm>
           <a:prstGeom prst="rect">
             <a:avLst/>
@@ -4453,7 +4434,7 @@
               <a:rPr lang="it-IT" sz="2800" dirty="0">
                 <a:latin typeface="Raleway" panose="020B0503030101060003" pitchFamily="34" charset="0"/>
               </a:rPr>
-              <a:t>Cosa si cerca?</a:t>
+              <a:t>Schema dati</a:t>
             </a:r>
           </a:p>
         </p:txBody>
@@ -4472,7 +4453,7 @@
         </p:nvSpPr>
         <p:spPr>
           <a:xfrm>
-            <a:off x="2180055" y="3526044"/>
+            <a:off x="2391836" y="4091807"/>
             <a:ext cx="2799183" cy="523220"/>
           </a:xfrm>
           <a:prstGeom prst="rect">
@@ -4487,10 +4468,16 @@
           <a:lstStyle/>
           <a:p>
             <a:r>
+              <a:rPr lang="it-IT" sz="2800" dirty="0" err="1">
+                <a:latin typeface="Raleway" panose="020B0503030101060003" pitchFamily="34" charset="0"/>
+              </a:rPr>
+              <a:t>Parsing</a:t>
+            </a:r>
+            <a:r>
               <a:rPr lang="it-IT" sz="2800" dirty="0">
                 <a:latin typeface="Raleway" panose="020B0503030101060003" pitchFamily="34" charset="0"/>
               </a:rPr>
-              <a:t>Struttura i dati</a:t>
+              <a:t> dati</a:t>
             </a:r>
           </a:p>
         </p:txBody>
@@ -4509,8 +4496,8 @@
         </p:nvSpPr>
         <p:spPr>
           <a:xfrm>
-            <a:off x="5791442" y="3036554"/>
-            <a:ext cx="2839374" cy="523220"/>
+            <a:off x="5791441" y="3036554"/>
+            <a:ext cx="3632475" cy="523220"/>
           </a:xfrm>
           <a:prstGeom prst="rect">
             <a:avLst/>
@@ -4527,107 +4514,7 @@
               <a:rPr lang="it-IT" sz="2800" dirty="0">
                 <a:latin typeface="Raleway" panose="020B0503030101060003" pitchFamily="34" charset="0"/>
               </a:rPr>
-              <a:t>Acquisisci i dati</a:t>
-            </a:r>
-          </a:p>
-        </p:txBody>
-      </p:sp>
-      <p:sp>
-        <p:nvSpPr>
-          <p:cNvPr id="29" name="Esplosione: 8 punte 28">
-            <a:extLst>
-              <a:ext uri="{FF2B5EF4-FFF2-40B4-BE49-F238E27FC236}">
-                <a16:creationId xmlns:a16="http://schemas.microsoft.com/office/drawing/2014/main" id="{EB72E724-F8F0-6ED7-AF4A-ABE80254F607}"/>
-              </a:ext>
-            </a:extLst>
-          </p:cNvPr>
-          <p:cNvSpPr/>
-          <p:nvPr/>
-        </p:nvSpPr>
-        <p:spPr>
-          <a:xfrm>
-            <a:off x="2838758" y="4243206"/>
-            <a:ext cx="4646012" cy="2689439"/>
-          </a:xfrm>
-          <a:prstGeom prst="irregularSeal1">
-            <a:avLst/>
-          </a:prstGeom>
-        </p:spPr>
-        <p:style>
-          <a:lnRef idx="2">
-            <a:schemeClr val="accent4">
-              <a:shade val="50000"/>
-            </a:schemeClr>
-          </a:lnRef>
-          <a:fillRef idx="1">
-            <a:schemeClr val="accent4"/>
-          </a:fillRef>
-          <a:effectRef idx="0">
-            <a:schemeClr val="accent4"/>
-          </a:effectRef>
-          <a:fontRef idx="minor">
-            <a:schemeClr val="lt1"/>
-          </a:fontRef>
-        </p:style>
-        <p:txBody>
-          <a:bodyPr rtlCol="0" anchor="ctr"/>
-          <a:lstStyle/>
-          <a:p>
-            <a:pPr algn="ctr"/>
-            <a:endParaRPr lang="it-IT" b="1">
-              <a:ln w="22225">
-                <a:solidFill>
-                  <a:schemeClr val="accent2"/>
-                </a:solidFill>
-                <a:prstDash val="solid"/>
-              </a:ln>
-              <a:solidFill>
-                <a:schemeClr val="accent2">
-                  <a:lumMod val="40000"/>
-                  <a:lumOff val="60000"/>
-                </a:schemeClr>
-              </a:solidFill>
-              <a:latin typeface="Raleway" panose="020B0503030101060003" pitchFamily="34" charset="0"/>
-            </a:endParaRPr>
-          </a:p>
-        </p:txBody>
-      </p:sp>
-      <p:sp>
-        <p:nvSpPr>
-          <p:cNvPr id="30" name="CasellaDiTesto 29">
-            <a:extLst>
-              <a:ext uri="{FF2B5EF4-FFF2-40B4-BE49-F238E27FC236}">
-                <a16:creationId xmlns:a16="http://schemas.microsoft.com/office/drawing/2014/main" id="{AB434078-838E-6C1A-BA68-571C3D219A32}"/>
-              </a:ext>
-            </a:extLst>
-          </p:cNvPr>
-          <p:cNvSpPr txBox="1"/>
-          <p:nvPr/>
-        </p:nvSpPr>
-        <p:spPr>
-          <a:xfrm>
-            <a:off x="4096138" y="5154311"/>
-            <a:ext cx="2799183" cy="523220"/>
-          </a:xfrm>
-          <a:prstGeom prst="rect">
-            <a:avLst/>
-          </a:prstGeom>
-          <a:noFill/>
-        </p:spPr>
-        <p:txBody>
-          <a:bodyPr wrap="square" rtlCol="0">
-            <a:spAutoFit/>
-          </a:bodyPr>
-          <a:lstStyle/>
-          <a:p>
-            <a:r>
-              <a:rPr lang="it-IT" sz="2800" b="1" dirty="0">
-                <a:solidFill>
-                  <a:srgbClr val="FF0000"/>
-                </a:solidFill>
-                <a:latin typeface="Raleway" panose="020B0503030101060003" pitchFamily="34" charset="0"/>
-              </a:rPr>
-              <a:t>30L all’esame</a:t>
+              <a:t>Acquisizione dati</a:t>
             </a:r>
           </a:p>
         </p:txBody>
@@ -4802,10 +4689,10 @@
       </p:sp>
       <p:sp>
         <p:nvSpPr>
-          <p:cNvPr id="38" name="CasellaDiTesto 37">
-            <a:extLst>
-              <a:ext uri="{FF2B5EF4-FFF2-40B4-BE49-F238E27FC236}">
-                <a16:creationId xmlns:a16="http://schemas.microsoft.com/office/drawing/2014/main" id="{E09EF451-D1FA-2EE6-A68D-3FCF88188408}"/>
+          <p:cNvPr id="39" name="CasellaDiTesto 38">
+            <a:extLst>
+              <a:ext uri="{FF2B5EF4-FFF2-40B4-BE49-F238E27FC236}">
+                <a16:creationId xmlns:a16="http://schemas.microsoft.com/office/drawing/2014/main" id="{B8F28D8C-F602-3E79-D026-C590FBB2D360}"/>
               </a:ext>
             </a:extLst>
           </p:cNvPr>
@@ -4814,8 +4701,8 @@
         </p:nvSpPr>
         <p:spPr>
           <a:xfrm>
-            <a:off x="114758" y="138189"/>
-            <a:ext cx="2739743" cy="595056"/>
+            <a:off x="5588260" y="4817816"/>
+            <a:ext cx="4070971" cy="523220"/>
           </a:xfrm>
           <a:prstGeom prst="rect">
             <a:avLst/>
@@ -4823,137 +4710,6 @@
           <a:noFill/>
         </p:spPr>
         <p:txBody>
-          <a:bodyPr wrap="square">
-            <a:spAutoFit/>
-          </a:bodyPr>
-          <a:lstStyle>
-            <a:defPPr>
-              <a:defRPr lang="it-IT"/>
-            </a:defPPr>
-            <a:lvl1pPr marL="0" algn="l" defTabSz="914400" rtl="0" eaLnBrk="1" latinLnBrk="0" hangingPunct="1">
-              <a:defRPr sz="1800" kern="1200">
-                <a:solidFill>
-                  <a:schemeClr val="tx1"/>
-                </a:solidFill>
-                <a:latin typeface="+mn-lt"/>
-                <a:ea typeface="+mn-ea"/>
-                <a:cs typeface="+mn-cs"/>
-              </a:defRPr>
-            </a:lvl1pPr>
-            <a:lvl2pPr marL="457200" algn="l" defTabSz="914400" rtl="0" eaLnBrk="1" latinLnBrk="0" hangingPunct="1">
-              <a:defRPr sz="1800" kern="1200">
-                <a:solidFill>
-                  <a:schemeClr val="tx1"/>
-                </a:solidFill>
-                <a:latin typeface="+mn-lt"/>
-                <a:ea typeface="+mn-ea"/>
-                <a:cs typeface="+mn-cs"/>
-              </a:defRPr>
-            </a:lvl2pPr>
-            <a:lvl3pPr marL="914400" algn="l" defTabSz="914400" rtl="0" eaLnBrk="1" latinLnBrk="0" hangingPunct="1">
-              <a:defRPr sz="1800" kern="1200">
-                <a:solidFill>
-                  <a:schemeClr val="tx1"/>
-                </a:solidFill>
-                <a:latin typeface="+mn-lt"/>
-                <a:ea typeface="+mn-ea"/>
-                <a:cs typeface="+mn-cs"/>
-              </a:defRPr>
-            </a:lvl3pPr>
-            <a:lvl4pPr marL="1371600" algn="l" defTabSz="914400" rtl="0" eaLnBrk="1" latinLnBrk="0" hangingPunct="1">
-              <a:defRPr sz="1800" kern="1200">
-                <a:solidFill>
-                  <a:schemeClr val="tx1"/>
-                </a:solidFill>
-                <a:latin typeface="+mn-lt"/>
-                <a:ea typeface="+mn-ea"/>
-                <a:cs typeface="+mn-cs"/>
-              </a:defRPr>
-            </a:lvl4pPr>
-            <a:lvl5pPr marL="1828800" algn="l" defTabSz="914400" rtl="0" eaLnBrk="1" latinLnBrk="0" hangingPunct="1">
-              <a:defRPr sz="1800" kern="1200">
-                <a:solidFill>
-                  <a:schemeClr val="tx1"/>
-                </a:solidFill>
-                <a:latin typeface="+mn-lt"/>
-                <a:ea typeface="+mn-ea"/>
-                <a:cs typeface="+mn-cs"/>
-              </a:defRPr>
-            </a:lvl5pPr>
-            <a:lvl6pPr marL="2286000" algn="l" defTabSz="914400" rtl="0" eaLnBrk="1" latinLnBrk="0" hangingPunct="1">
-              <a:defRPr sz="1800" kern="1200">
-                <a:solidFill>
-                  <a:schemeClr val="tx1"/>
-                </a:solidFill>
-                <a:latin typeface="+mn-lt"/>
-                <a:ea typeface="+mn-ea"/>
-                <a:cs typeface="+mn-cs"/>
-              </a:defRPr>
-            </a:lvl6pPr>
-            <a:lvl7pPr marL="2743200" algn="l" defTabSz="914400" rtl="0" eaLnBrk="1" latinLnBrk="0" hangingPunct="1">
-              <a:defRPr sz="1800" kern="1200">
-                <a:solidFill>
-                  <a:schemeClr val="tx1"/>
-                </a:solidFill>
-                <a:latin typeface="+mn-lt"/>
-                <a:ea typeface="+mn-ea"/>
-                <a:cs typeface="+mn-cs"/>
-              </a:defRPr>
-            </a:lvl7pPr>
-            <a:lvl8pPr marL="3200400" algn="l" defTabSz="914400" rtl="0" eaLnBrk="1" latinLnBrk="0" hangingPunct="1">
-              <a:defRPr sz="1800" kern="1200">
-                <a:solidFill>
-                  <a:schemeClr val="tx1"/>
-                </a:solidFill>
-                <a:latin typeface="+mn-lt"/>
-                <a:ea typeface="+mn-ea"/>
-                <a:cs typeface="+mn-cs"/>
-              </a:defRPr>
-            </a:lvl8pPr>
-            <a:lvl9pPr marL="3657600" algn="l" defTabSz="914400" rtl="0" eaLnBrk="1" latinLnBrk="0" hangingPunct="1">
-              <a:defRPr sz="1800" kern="1200">
-                <a:solidFill>
-                  <a:schemeClr val="tx1"/>
-                </a:solidFill>
-                <a:latin typeface="+mn-lt"/>
-                <a:ea typeface="+mn-ea"/>
-                <a:cs typeface="+mn-cs"/>
-              </a:defRPr>
-            </a:lvl9pPr>
-          </a:lstStyle>
-          <a:p>
-            <a:r>
-              <a:rPr lang="it-IT" sz="3200" dirty="0">
-                <a:latin typeface="Raleway" panose="020B0503030101060003" pitchFamily="34" charset="0"/>
-              </a:rPr>
-              <a:t>Sprint 1</a:t>
-            </a:r>
-          </a:p>
-        </p:txBody>
-      </p:sp>
-      <p:sp>
-        <p:nvSpPr>
-          <p:cNvPr id="39" name="CasellaDiTesto 38">
-            <a:extLst>
-              <a:ext uri="{FF2B5EF4-FFF2-40B4-BE49-F238E27FC236}">
-                <a16:creationId xmlns:a16="http://schemas.microsoft.com/office/drawing/2014/main" id="{B8F28D8C-F602-3E79-D026-C590FBB2D360}"/>
-              </a:ext>
-            </a:extLst>
-          </p:cNvPr>
-          <p:cNvSpPr txBox="1"/>
-          <p:nvPr/>
-        </p:nvSpPr>
-        <p:spPr>
-          <a:xfrm>
-            <a:off x="5592730" y="3743385"/>
-            <a:ext cx="4070971" cy="523220"/>
-          </a:xfrm>
-          <a:prstGeom prst="rect">
-            <a:avLst/>
-          </a:prstGeom>
-          <a:noFill/>
-        </p:spPr>
-        <p:txBody>
           <a:bodyPr wrap="square" rtlCol="0">
             <a:spAutoFit/>
           </a:bodyPr>
@@ -4963,7 +4719,7 @@
               <a:rPr lang="it-IT" sz="2800" dirty="0">
                 <a:latin typeface="Raleway" panose="020B0503030101060003" pitchFamily="34" charset="0"/>
               </a:rPr>
-              <a:t>Rispondi a domande</a:t>
+              <a:t>Analisi dati</a:t>
             </a:r>
           </a:p>
         </p:txBody>
@@ -4984,7 +4740,7 @@
         </p:nvCxnSpPr>
         <p:spPr>
           <a:xfrm>
-            <a:off x="5157690" y="4030801"/>
+            <a:off x="5153220" y="5105232"/>
             <a:ext cx="338039" cy="0"/>
           </a:xfrm>
           <a:prstGeom prst="straightConnector1">
@@ -5019,188 +4775,6 @@
   <p:clrMapOvr>
     <a:masterClrMapping/>
   </p:clrMapOvr>
-  <p:timing>
-    <p:tnLst>
-      <p:par>
-        <p:cTn id="1" dur="indefinite" restart="never" nodeType="tmRoot">
-          <p:childTnLst>
-            <p:seq concurrent="1" nextAc="seek">
-              <p:cTn id="2" dur="indefinite" nodeType="mainSeq">
-                <p:childTnLst>
-                  <p:par>
-                    <p:cTn id="3" fill="hold">
-                      <p:stCondLst>
-                        <p:cond delay="indefinite"/>
-                      </p:stCondLst>
-                      <p:childTnLst>
-                        <p:par>
-                          <p:cTn id="4" fill="hold">
-                            <p:stCondLst>
-                              <p:cond delay="0"/>
-                            </p:stCondLst>
-                            <p:childTnLst>
-                              <p:par>
-                                <p:cTn id="5" presetID="10" presetClass="entr" presetSubtype="0" fill="hold" grpId="0" nodeType="clickEffect">
-                                  <p:stCondLst>
-                                    <p:cond delay="0"/>
-                                  </p:stCondLst>
-                                  <p:childTnLst>
-                                    <p:set>
-                                      <p:cBhvr>
-                                        <p:cTn id="6" dur="1" fill="hold">
-                                          <p:stCondLst>
-                                            <p:cond delay="0"/>
-                                          </p:stCondLst>
-                                        </p:cTn>
-                                        <p:tgtEl>
-                                          <p:spTgt spid="30"/>
-                                        </p:tgtEl>
-                                        <p:attrNameLst>
-                                          <p:attrName>style.visibility</p:attrName>
-                                        </p:attrNameLst>
-                                      </p:cBhvr>
-                                      <p:to>
-                                        <p:strVal val="visible"/>
-                                      </p:to>
-                                    </p:set>
-                                    <p:animEffect transition="in" filter="fade">
-                                      <p:cBhvr>
-                                        <p:cTn id="7" dur="500"/>
-                                        <p:tgtEl>
-                                          <p:spTgt spid="30"/>
-                                        </p:tgtEl>
-                                      </p:cBhvr>
-                                    </p:animEffect>
-                                  </p:childTnLst>
-                                </p:cTn>
-                              </p:par>
-                              <p:par>
-                                <p:cTn id="8" presetID="10" presetClass="entr" presetSubtype="0" fill="hold" grpId="0" nodeType="withEffect">
-                                  <p:stCondLst>
-                                    <p:cond delay="0"/>
-                                  </p:stCondLst>
-                                  <p:childTnLst>
-                                    <p:set>
-                                      <p:cBhvr>
-                                        <p:cTn id="9" dur="1" fill="hold">
-                                          <p:stCondLst>
-                                            <p:cond delay="0"/>
-                                          </p:stCondLst>
-                                        </p:cTn>
-                                        <p:tgtEl>
-                                          <p:spTgt spid="29"/>
-                                        </p:tgtEl>
-                                        <p:attrNameLst>
-                                          <p:attrName>style.visibility</p:attrName>
-                                        </p:attrNameLst>
-                                      </p:cBhvr>
-                                      <p:to>
-                                        <p:strVal val="visible"/>
-                                      </p:to>
-                                    </p:set>
-                                    <p:animEffect transition="in" filter="fade">
-                                      <p:cBhvr>
-                                        <p:cTn id="10" dur="500"/>
-                                        <p:tgtEl>
-                                          <p:spTgt spid="29"/>
-                                        </p:tgtEl>
-                                      </p:cBhvr>
-                                    </p:animEffect>
-                                  </p:childTnLst>
-                                </p:cTn>
-                              </p:par>
-                            </p:childTnLst>
-                          </p:cTn>
-                        </p:par>
-                      </p:childTnLst>
-                    </p:cTn>
-                  </p:par>
-                  <p:par>
-                    <p:cTn id="11" fill="hold">
-                      <p:stCondLst>
-                        <p:cond delay="indefinite"/>
-                      </p:stCondLst>
-                      <p:childTnLst>
-                        <p:par>
-                          <p:cTn id="12" fill="hold">
-                            <p:stCondLst>
-                              <p:cond delay="0"/>
-                            </p:stCondLst>
-                            <p:childTnLst>
-                              <p:par>
-                                <p:cTn id="13" presetID="8" presetClass="emph" presetSubtype="0" fill="hold" grpId="1" nodeType="clickEffect">
-                                  <p:stCondLst>
-                                    <p:cond delay="0"/>
-                                  </p:stCondLst>
-                                  <p:childTnLst>
-                                    <p:animRot by="21600000">
-                                      <p:cBhvr>
-                                        <p:cTn id="14" dur="2000" fill="hold"/>
-                                        <p:tgtEl>
-                                          <p:spTgt spid="30"/>
-                                        </p:tgtEl>
-                                        <p:attrNameLst>
-                                          <p:attrName>r</p:attrName>
-                                        </p:attrNameLst>
-                                      </p:cBhvr>
-                                    </p:animRot>
-                                  </p:childTnLst>
-                                </p:cTn>
-                              </p:par>
-                              <p:par>
-                                <p:cTn id="15" presetID="8" presetClass="emph" presetSubtype="0" fill="hold" grpId="1" nodeType="withEffect">
-                                  <p:stCondLst>
-                                    <p:cond delay="0"/>
-                                  </p:stCondLst>
-                                  <p:childTnLst>
-                                    <p:animRot by="21600000">
-                                      <p:cBhvr>
-                                        <p:cTn id="16" dur="2000" fill="hold"/>
-                                        <p:tgtEl>
-                                          <p:spTgt spid="29"/>
-                                        </p:tgtEl>
-                                        <p:attrNameLst>
-                                          <p:attrName>r</p:attrName>
-                                        </p:attrNameLst>
-                                      </p:cBhvr>
-                                    </p:animRot>
-                                  </p:childTnLst>
-                                </p:cTn>
-                              </p:par>
-                            </p:childTnLst>
-                          </p:cTn>
-                        </p:par>
-                      </p:childTnLst>
-                    </p:cTn>
-                  </p:par>
-                </p:childTnLst>
-              </p:cTn>
-              <p:prevCondLst>
-                <p:cond evt="onPrev" delay="0">
-                  <p:tgtEl>
-                    <p:sldTgt/>
-                  </p:tgtEl>
-                </p:cond>
-              </p:prevCondLst>
-              <p:nextCondLst>
-                <p:cond evt="onNext" delay="0">
-                  <p:tgtEl>
-                    <p:sldTgt/>
-                  </p:tgtEl>
-                </p:cond>
-              </p:nextCondLst>
-            </p:seq>
-          </p:childTnLst>
-        </p:cTn>
-      </p:par>
-    </p:tnLst>
-    <p:bldLst>
-      <p:bldP spid="29" grpId="0" animBg="1"/>
-      <p:bldP spid="29" grpId="1" animBg="1"/>
-      <p:bldP spid="30" grpId="0"/>
-      <p:bldP spid="30" grpId="1"/>
-    </p:bldLst>
-  </p:timing>
 </p:sld>
 </file>
 
@@ -10185,8 +9759,8 @@
           </a:p>
         </p:txBody>
       </p:sp>
-      <mc:AlternateContent xmlns:mc="http://schemas.openxmlformats.org/markup-compatibility/2006">
-        <mc:Choice xmlns:p14="http://schemas.microsoft.com/office/powerpoint/2010/main" Requires="p14">
+      <mc:AlternateContent xmlns:mc="http://schemas.openxmlformats.org/markup-compatibility/2006" xmlns:p14="http://schemas.microsoft.com/office/powerpoint/2010/main">
+        <mc:Choice Requires="p14">
           <p:contentPart p14:bwMode="auto" r:id="rId2">
             <p14:nvContentPartPr>
               <p14:cNvPr id="15" name="Input penna 14">
@@ -10205,7 +9779,7 @@
             </p14:xfrm>
           </p:contentPart>
         </mc:Choice>
-        <mc:Fallback>
+        <mc:Fallback xmlns="">
           <p:pic>
             <p:nvPicPr>
               <p:cNvPr id="15" name="Input penna 14">
@@ -10236,8 +9810,8 @@
           </p:pic>
         </mc:Fallback>
       </mc:AlternateContent>
-      <mc:AlternateContent xmlns:mc="http://schemas.openxmlformats.org/markup-compatibility/2006">
-        <mc:Choice xmlns:p14="http://schemas.microsoft.com/office/powerpoint/2010/main" Requires="p14">
+      <mc:AlternateContent xmlns:mc="http://schemas.openxmlformats.org/markup-compatibility/2006" xmlns:p14="http://schemas.microsoft.com/office/powerpoint/2010/main">
+        <mc:Choice Requires="p14">
           <p:contentPart p14:bwMode="auto" r:id="rId4">
             <p14:nvContentPartPr>
               <p14:cNvPr id="21" name="Input penna 20">
@@ -10256,7 +9830,7 @@
             </p14:xfrm>
           </p:contentPart>
         </mc:Choice>
-        <mc:Fallback>
+        <mc:Fallback xmlns="">
           <p:pic>
             <p:nvPicPr>
               <p:cNvPr id="21" name="Input penna 20">
@@ -10287,8 +9861,8 @@
           </p:pic>
         </mc:Fallback>
       </mc:AlternateContent>
-      <mc:AlternateContent xmlns:mc="http://schemas.openxmlformats.org/markup-compatibility/2006">
-        <mc:Choice xmlns:p14="http://schemas.microsoft.com/office/powerpoint/2010/main" Requires="p14">
+      <mc:AlternateContent xmlns:mc="http://schemas.openxmlformats.org/markup-compatibility/2006" xmlns:p14="http://schemas.microsoft.com/office/powerpoint/2010/main">
+        <mc:Choice Requires="p14">
           <p:contentPart p14:bwMode="auto" r:id="rId6">
             <p14:nvContentPartPr>
               <p14:cNvPr id="25" name="Input penna 24">
@@ -10307,7 +9881,7 @@
             </p14:xfrm>
           </p:contentPart>
         </mc:Choice>
-        <mc:Fallback>
+        <mc:Fallback xmlns="">
           <p:pic>
             <p:nvPicPr>
               <p:cNvPr id="25" name="Input penna 24">
@@ -10338,8 +9912,8 @@
           </p:pic>
         </mc:Fallback>
       </mc:AlternateContent>
-      <mc:AlternateContent xmlns:mc="http://schemas.openxmlformats.org/markup-compatibility/2006">
-        <mc:Choice xmlns:p14="http://schemas.microsoft.com/office/powerpoint/2010/main" Requires="p14">
+      <mc:AlternateContent xmlns:mc="http://schemas.openxmlformats.org/markup-compatibility/2006" xmlns:p14="http://schemas.microsoft.com/office/powerpoint/2010/main">
+        <mc:Choice Requires="p14">
           <p:contentPart p14:bwMode="auto" r:id="rId8">
             <p14:nvContentPartPr>
               <p14:cNvPr id="27" name="Input penna 26">
@@ -10358,7 +9932,7 @@
             </p14:xfrm>
           </p:contentPart>
         </mc:Choice>
-        <mc:Fallback>
+        <mc:Fallback xmlns="">
           <p:pic>
             <p:nvPicPr>
               <p:cNvPr id="27" name="Input penna 26">
@@ -10389,8 +9963,8 @@
           </p:pic>
         </mc:Fallback>
       </mc:AlternateContent>
-      <mc:AlternateContent xmlns:mc="http://schemas.openxmlformats.org/markup-compatibility/2006">
-        <mc:Choice xmlns:p14="http://schemas.microsoft.com/office/powerpoint/2010/main" Requires="p14">
+      <mc:AlternateContent xmlns:mc="http://schemas.openxmlformats.org/markup-compatibility/2006" xmlns:p14="http://schemas.microsoft.com/office/powerpoint/2010/main">
+        <mc:Choice Requires="p14">
           <p:contentPart p14:bwMode="auto" r:id="rId10">
             <p14:nvContentPartPr>
               <p14:cNvPr id="17" name="Input penna 16">
@@ -10409,7 +9983,7 @@
             </p14:xfrm>
           </p:contentPart>
         </mc:Choice>
-        <mc:Fallback>
+        <mc:Fallback xmlns="">
           <p:pic>
             <p:nvPicPr>
               <p:cNvPr id="17" name="Input penna 16">
@@ -10440,8 +10014,8 @@
           </p:pic>
         </mc:Fallback>
       </mc:AlternateContent>
-      <mc:AlternateContent xmlns:mc="http://schemas.openxmlformats.org/markup-compatibility/2006">
-        <mc:Choice xmlns:p14="http://schemas.microsoft.com/office/powerpoint/2010/main" Requires="p14">
+      <mc:AlternateContent xmlns:mc="http://schemas.openxmlformats.org/markup-compatibility/2006" xmlns:p14="http://schemas.microsoft.com/office/powerpoint/2010/main">
+        <mc:Choice Requires="p14">
           <p:contentPart p14:bwMode="auto" r:id="rId12">
             <p14:nvContentPartPr>
               <p14:cNvPr id="18" name="Input penna 17">
@@ -10460,7 +10034,7 @@
             </p14:xfrm>
           </p:contentPart>
         </mc:Choice>
-        <mc:Fallback>
+        <mc:Fallback xmlns="">
           <p:pic>
             <p:nvPicPr>
               <p:cNvPr id="18" name="Input penna 17">
@@ -10491,8 +10065,8 @@
           </p:pic>
         </mc:Fallback>
       </mc:AlternateContent>
-      <mc:AlternateContent xmlns:mc="http://schemas.openxmlformats.org/markup-compatibility/2006">
-        <mc:Choice xmlns:p14="http://schemas.microsoft.com/office/powerpoint/2010/main" Requires="p14">
+      <mc:AlternateContent xmlns:mc="http://schemas.openxmlformats.org/markup-compatibility/2006" xmlns:p14="http://schemas.microsoft.com/office/powerpoint/2010/main">
+        <mc:Choice Requires="p14">
           <p:contentPart p14:bwMode="auto" r:id="rId14">
             <p14:nvContentPartPr>
               <p14:cNvPr id="20" name="Input penna 19">
@@ -10511,7 +10085,7 @@
             </p14:xfrm>
           </p:contentPart>
         </mc:Choice>
-        <mc:Fallback>
+        <mc:Fallback xmlns="">
           <p:pic>
             <p:nvPicPr>
               <p:cNvPr id="20" name="Input penna 19">
@@ -10542,8 +10116,8 @@
           </p:pic>
         </mc:Fallback>
       </mc:AlternateContent>
-      <mc:AlternateContent xmlns:mc="http://schemas.openxmlformats.org/markup-compatibility/2006">
-        <mc:Choice xmlns:p14="http://schemas.microsoft.com/office/powerpoint/2010/main" Requires="p14">
+      <mc:AlternateContent xmlns:mc="http://schemas.openxmlformats.org/markup-compatibility/2006" xmlns:p14="http://schemas.microsoft.com/office/powerpoint/2010/main">
+        <mc:Choice Requires="p14">
           <p:contentPart p14:bwMode="auto" r:id="rId16">
             <p14:nvContentPartPr>
               <p14:cNvPr id="23" name="Input penna 22">
@@ -10562,7 +10136,7 @@
             </p14:xfrm>
           </p:contentPart>
         </mc:Choice>
-        <mc:Fallback>
+        <mc:Fallback xmlns="">
           <p:pic>
             <p:nvPicPr>
               <p:cNvPr id="23" name="Input penna 22">
@@ -10593,8 +10167,8 @@
           </p:pic>
         </mc:Fallback>
       </mc:AlternateContent>
-      <mc:AlternateContent xmlns:mc="http://schemas.openxmlformats.org/markup-compatibility/2006">
-        <mc:Choice xmlns:p14="http://schemas.microsoft.com/office/powerpoint/2010/main" Requires="p14">
+      <mc:AlternateContent xmlns:mc="http://schemas.openxmlformats.org/markup-compatibility/2006" xmlns:p14="http://schemas.microsoft.com/office/powerpoint/2010/main">
+        <mc:Choice Requires="p14">
           <p:contentPart p14:bwMode="auto" r:id="rId18">
             <p14:nvContentPartPr>
               <p14:cNvPr id="24" name="Input penna 23">
@@ -10613,7 +10187,7 @@
             </p14:xfrm>
           </p:contentPart>
         </mc:Choice>
-        <mc:Fallback>
+        <mc:Fallback xmlns="">
           <p:pic>
             <p:nvPicPr>
               <p:cNvPr id="24" name="Input penna 23">
@@ -10644,8 +10218,8 @@
           </p:pic>
         </mc:Fallback>
       </mc:AlternateContent>
-      <mc:AlternateContent xmlns:mc="http://schemas.openxmlformats.org/markup-compatibility/2006">
-        <mc:Choice xmlns:p14="http://schemas.microsoft.com/office/powerpoint/2010/main" Requires="p14">
+      <mc:AlternateContent xmlns:mc="http://schemas.openxmlformats.org/markup-compatibility/2006" xmlns:p14="http://schemas.microsoft.com/office/powerpoint/2010/main">
+        <mc:Choice Requires="p14">
           <p:contentPart p14:bwMode="auto" r:id="rId20">
             <p14:nvContentPartPr>
               <p14:cNvPr id="28" name="Input penna 27">
@@ -10664,7 +10238,7 @@
             </p14:xfrm>
           </p:contentPart>
         </mc:Choice>
-        <mc:Fallback>
+        <mc:Fallback xmlns="">
           <p:pic>
             <p:nvPicPr>
               <p:cNvPr id="28" name="Input penna 27">
@@ -10695,8 +10269,8 @@
           </p:pic>
         </mc:Fallback>
       </mc:AlternateContent>
-      <mc:AlternateContent xmlns:mc="http://schemas.openxmlformats.org/markup-compatibility/2006">
-        <mc:Choice xmlns:p14="http://schemas.microsoft.com/office/powerpoint/2010/main" Requires="p14">
+      <mc:AlternateContent xmlns:mc="http://schemas.openxmlformats.org/markup-compatibility/2006" xmlns:p14="http://schemas.microsoft.com/office/powerpoint/2010/main">
+        <mc:Choice Requires="p14">
           <p:contentPart p14:bwMode="auto" r:id="rId22">
             <p14:nvContentPartPr>
               <p14:cNvPr id="30" name="Input penna 29">
@@ -10715,7 +10289,7 @@
             </p14:xfrm>
           </p:contentPart>
         </mc:Choice>
-        <mc:Fallback>
+        <mc:Fallback xmlns="">
           <p:pic>
             <p:nvPicPr>
               <p:cNvPr id="30" name="Input penna 29">
@@ -10766,8 +10340,8 @@
             <a:chExt cx="4410000" cy="2462400"/>
           </a:xfrm>
         </p:grpSpPr>
-        <mc:AlternateContent xmlns:mc="http://schemas.openxmlformats.org/markup-compatibility/2006">
-          <mc:Choice xmlns:p14="http://schemas.microsoft.com/office/powerpoint/2010/main" Requires="p14">
+        <mc:AlternateContent xmlns:mc="http://schemas.openxmlformats.org/markup-compatibility/2006" xmlns:p14="http://schemas.microsoft.com/office/powerpoint/2010/main">
+          <mc:Choice Requires="p14">
             <p:contentPart p14:bwMode="auto" r:id="rId24">
               <p14:nvContentPartPr>
                 <p14:cNvPr id="6" name="Input penna 5">
@@ -10786,7 +10360,7 @@
               </p14:xfrm>
             </p:contentPart>
           </mc:Choice>
-          <mc:Fallback>
+          <mc:Fallback xmlns="">
             <p:pic>
               <p:nvPicPr>
                 <p:cNvPr id="6" name="Input penna 5">
@@ -10817,8 +10391,8 @@
             </p:pic>
           </mc:Fallback>
         </mc:AlternateContent>
-        <mc:AlternateContent xmlns:mc="http://schemas.openxmlformats.org/markup-compatibility/2006">
-          <mc:Choice xmlns:p14="http://schemas.microsoft.com/office/powerpoint/2010/main" Requires="p14">
+        <mc:AlternateContent xmlns:mc="http://schemas.openxmlformats.org/markup-compatibility/2006" xmlns:p14="http://schemas.microsoft.com/office/powerpoint/2010/main">
+          <mc:Choice Requires="p14">
             <p:contentPart p14:bwMode="auto" r:id="rId26">
               <p14:nvContentPartPr>
                 <p14:cNvPr id="7" name="Input penna 6">
@@ -10837,7 +10411,7 @@
               </p14:xfrm>
             </p:contentPart>
           </mc:Choice>
-          <mc:Fallback>
+          <mc:Fallback xmlns="">
             <p:pic>
               <p:nvPicPr>
                 <p:cNvPr id="7" name="Input penna 6">
@@ -10868,8 +10442,8 @@
             </p:pic>
           </mc:Fallback>
         </mc:AlternateContent>
-        <mc:AlternateContent xmlns:mc="http://schemas.openxmlformats.org/markup-compatibility/2006">
-          <mc:Choice xmlns:p14="http://schemas.microsoft.com/office/powerpoint/2010/main" Requires="p14">
+        <mc:AlternateContent xmlns:mc="http://schemas.openxmlformats.org/markup-compatibility/2006" xmlns:p14="http://schemas.microsoft.com/office/powerpoint/2010/main">
+          <mc:Choice Requires="p14">
             <p:contentPart p14:bwMode="auto" r:id="rId28">
               <p14:nvContentPartPr>
                 <p14:cNvPr id="9" name="Input penna 8">
@@ -10888,7 +10462,7 @@
               </p14:xfrm>
             </p:contentPart>
           </mc:Choice>
-          <mc:Fallback>
+          <mc:Fallback xmlns="">
             <p:pic>
               <p:nvPicPr>
                 <p:cNvPr id="9" name="Input penna 8">
@@ -10919,8 +10493,8 @@
             </p:pic>
           </mc:Fallback>
         </mc:AlternateContent>
-        <mc:AlternateContent xmlns:mc="http://schemas.openxmlformats.org/markup-compatibility/2006">
-          <mc:Choice xmlns:p14="http://schemas.microsoft.com/office/powerpoint/2010/main" Requires="p14">
+        <mc:AlternateContent xmlns:mc="http://schemas.openxmlformats.org/markup-compatibility/2006" xmlns:p14="http://schemas.microsoft.com/office/powerpoint/2010/main">
+          <mc:Choice Requires="p14">
             <p:contentPart p14:bwMode="auto" r:id="rId30">
               <p14:nvContentPartPr>
                 <p14:cNvPr id="11" name="Input penna 10">
@@ -10939,7 +10513,7 @@
               </p14:xfrm>
             </p:contentPart>
           </mc:Choice>
-          <mc:Fallback>
+          <mc:Fallback xmlns="">
             <p:pic>
               <p:nvPicPr>
                 <p:cNvPr id="11" name="Input penna 10">
@@ -10970,8 +10544,8 @@
             </p:pic>
           </mc:Fallback>
         </mc:AlternateContent>
-        <mc:AlternateContent xmlns:mc="http://schemas.openxmlformats.org/markup-compatibility/2006">
-          <mc:Choice xmlns:p14="http://schemas.microsoft.com/office/powerpoint/2010/main" Requires="p14">
+        <mc:AlternateContent xmlns:mc="http://schemas.openxmlformats.org/markup-compatibility/2006" xmlns:p14="http://schemas.microsoft.com/office/powerpoint/2010/main">
+          <mc:Choice Requires="p14">
             <p:contentPart p14:bwMode="auto" r:id="rId32">
               <p14:nvContentPartPr>
                 <p14:cNvPr id="13" name="Input penna 12">
@@ -10990,7 +10564,7 @@
               </p14:xfrm>
             </p:contentPart>
           </mc:Choice>
-          <mc:Fallback>
+          <mc:Fallback xmlns="">
             <p:pic>
               <p:nvPicPr>
                 <p:cNvPr id="13" name="Input penna 12">
@@ -11021,8 +10595,8 @@
             </p:pic>
           </mc:Fallback>
         </mc:AlternateContent>
-        <mc:AlternateContent xmlns:mc="http://schemas.openxmlformats.org/markup-compatibility/2006">
-          <mc:Choice xmlns:p14="http://schemas.microsoft.com/office/powerpoint/2010/main" Requires="p14">
+        <mc:AlternateContent xmlns:mc="http://schemas.openxmlformats.org/markup-compatibility/2006" xmlns:p14="http://schemas.microsoft.com/office/powerpoint/2010/main">
+          <mc:Choice Requires="p14">
             <p:contentPart p14:bwMode="auto" r:id="rId34">
               <p14:nvContentPartPr>
                 <p14:cNvPr id="32" name="Input penna 31">
@@ -11041,7 +10615,7 @@
               </p14:xfrm>
             </p:contentPart>
           </mc:Choice>
-          <mc:Fallback>
+          <mc:Fallback xmlns="">
             <p:pic>
               <p:nvPicPr>
                 <p:cNvPr id="32" name="Input penna 31">
